--- a/Service Fabric.pptx
+++ b/Service Fabric.pptx
@@ -7,18 +7,20 @@
     <p:sldMasterId id="2147484196" r:id="rId6"/>
   </p:sldMasterIdLst>
   <p:notesMasterIdLst>
-    <p:notesMasterId r:id="rId13"/>
+    <p:notesMasterId r:id="rId15"/>
   </p:notesMasterIdLst>
   <p:handoutMasterIdLst>
-    <p:handoutMasterId r:id="rId14"/>
+    <p:handoutMasterId r:id="rId16"/>
   </p:handoutMasterIdLst>
   <p:sldIdLst>
     <p:sldId id="829" r:id="rId7"/>
     <p:sldId id="1095" r:id="rId8"/>
     <p:sldId id="1097" r:id="rId9"/>
     <p:sldId id="1120" r:id="rId10"/>
-    <p:sldId id="1096" r:id="rId11"/>
-    <p:sldId id="1094" r:id="rId12"/>
+    <p:sldId id="1121" r:id="rId11"/>
+    <p:sldId id="1122" r:id="rId12"/>
+    <p:sldId id="1096" r:id="rId13"/>
+    <p:sldId id="1094" r:id="rId14"/>
   </p:sldIdLst>
   <p:sldSz cx="12436475" cy="6994525"/>
   <p:notesSz cx="6858000" cy="9144000"/>
@@ -1052,7 +1054,7 @@
                 </a:solidFill>
               </a:rPr>
               <a:pPr/>
-              <a:t>6</a:t>
+              <a:t>8</a:t>
             </a:fld>
             <a:endParaRPr lang="en-US" dirty="0">
               <a:solidFill>
@@ -4431,27 +4433,8 @@
 </file>
 
 <file path=ppt/slideLayouts/slideLayout29.xml><?xml version="1.0" encoding="utf-8"?>
-<p:sldLayout xmlns:a="http://schemas.openxmlformats.org/drawingml/2006/main" xmlns:r="http://schemas.openxmlformats.org/officeDocument/2006/relationships" xmlns:p="http://schemas.openxmlformats.org/presentationml/2006/main" preserve="1" userDrawn="1">
-  <p:cSld name="Title Slide">
-    <p:bg>
-      <p:bgPr>
-        <a:gradFill>
-          <a:gsLst>
-            <a:gs pos="0">
-              <a:schemeClr val="tx1"/>
-            </a:gs>
-            <a:gs pos="50000">
-              <a:srgbClr val="0070C0"/>
-            </a:gs>
-            <a:gs pos="100000">
-              <a:srgbClr val="7030A0"/>
-            </a:gs>
-          </a:gsLst>
-          <a:lin ang="2700000" scaled="0"/>
-        </a:gradFill>
-        <a:effectLst/>
-      </p:bgPr>
-    </p:bg>
+<p:sldLayout xmlns:a="http://schemas.openxmlformats.org/drawingml/2006/main" xmlns:r="http://schemas.openxmlformats.org/officeDocument/2006/relationships" xmlns:p="http://schemas.openxmlformats.org/presentationml/2006/main" userDrawn="1">
+  <p:cSld name="Text Only Large">
     <p:spTree>
       <p:nvGrpSpPr>
         <p:cNvPr id="1" name=""/>
@@ -4468,138 +4451,31 @@
       </p:grpSpPr>
       <p:sp>
         <p:nvSpPr>
-          <p:cNvPr id="3" name="Subtitle 2"/>
+          <p:cNvPr id="2" name="Title 1"/>
           <p:cNvSpPr>
             <a:spLocks noGrp="1"/>
           </p:cNvSpPr>
           <p:nvPr>
-            <p:ph type="subTitle" idx="1"/>
+            <p:ph type="title"/>
           </p:nvPr>
         </p:nvSpPr>
         <p:spPr>
           <a:xfrm>
-            <a:off x="1140010" y="4431486"/>
-            <a:ext cx="10447937" cy="470856"/>
+            <a:off x="1189038" y="2125663"/>
+            <a:ext cx="10058399" cy="1828800"/>
           </a:xfrm>
         </p:spPr>
         <p:txBody>
-          <a:bodyPr>
-            <a:noAutofit/>
-          </a:bodyPr>
+          <a:bodyPr/>
           <a:lstStyle>
-            <a:lvl1pPr marL="0" indent="0" algn="l">
-              <a:lnSpc>
-                <a:spcPct val="90000"/>
-              </a:lnSpc>
-              <a:spcBef>
-                <a:spcPts val="0"/>
-              </a:spcBef>
-              <a:buNone/>
-              <a:defRPr>
-                <a:gradFill>
-                  <a:gsLst>
-                    <a:gs pos="0">
-                      <a:schemeClr val="accent1">
-                        <a:lumMod val="40000"/>
-                        <a:lumOff val="60000"/>
-                      </a:schemeClr>
-                    </a:gs>
-                    <a:gs pos="86000">
-                      <a:schemeClr val="accent1">
-                        <a:lumMod val="40000"/>
-                        <a:lumOff val="60000"/>
-                      </a:schemeClr>
-                    </a:gs>
-                  </a:gsLst>
-                  <a:lin ang="5400000" scaled="0"/>
-                </a:gradFill>
-              </a:defRPr>
+            <a:lvl1pPr>
+              <a:defRPr sz="4800" baseline="0"/>
             </a:lvl1pPr>
-            <a:lvl2pPr marL="466280" indent="0" algn="ctr">
-              <a:buNone/>
-              <a:defRPr>
-                <a:solidFill>
-                  <a:schemeClr val="tx1">
-                    <a:tint val="75000"/>
-                  </a:schemeClr>
-                </a:solidFill>
-              </a:defRPr>
-            </a:lvl2pPr>
-            <a:lvl3pPr marL="932559" indent="0" algn="ctr">
-              <a:buNone/>
-              <a:defRPr>
-                <a:solidFill>
-                  <a:schemeClr val="tx1">
-                    <a:tint val="75000"/>
-                  </a:schemeClr>
-                </a:solidFill>
-              </a:defRPr>
-            </a:lvl3pPr>
-            <a:lvl4pPr marL="1398839" indent="0" algn="ctr">
-              <a:buNone/>
-              <a:defRPr>
-                <a:solidFill>
-                  <a:schemeClr val="tx1">
-                    <a:tint val="75000"/>
-                  </a:schemeClr>
-                </a:solidFill>
-              </a:defRPr>
-            </a:lvl4pPr>
-            <a:lvl5pPr marL="1865119" indent="0" algn="ctr">
-              <a:buNone/>
-              <a:defRPr>
-                <a:solidFill>
-                  <a:schemeClr val="tx1">
-                    <a:tint val="75000"/>
-                  </a:schemeClr>
-                </a:solidFill>
-              </a:defRPr>
-            </a:lvl5pPr>
-            <a:lvl6pPr marL="2331399" indent="0" algn="ctr">
-              <a:buNone/>
-              <a:defRPr>
-                <a:solidFill>
-                  <a:schemeClr val="tx1">
-                    <a:tint val="75000"/>
-                  </a:schemeClr>
-                </a:solidFill>
-              </a:defRPr>
-            </a:lvl6pPr>
-            <a:lvl7pPr marL="2797677" indent="0" algn="ctr">
-              <a:buNone/>
-              <a:defRPr>
-                <a:solidFill>
-                  <a:schemeClr val="tx1">
-                    <a:tint val="75000"/>
-                  </a:schemeClr>
-                </a:solidFill>
-              </a:defRPr>
-            </a:lvl7pPr>
-            <a:lvl8pPr marL="3263957" indent="0" algn="ctr">
-              <a:buNone/>
-              <a:defRPr>
-                <a:solidFill>
-                  <a:schemeClr val="tx1">
-                    <a:tint val="75000"/>
-                  </a:schemeClr>
-                </a:solidFill>
-              </a:defRPr>
-            </a:lvl8pPr>
-            <a:lvl9pPr marL="3730237" indent="0" algn="ctr">
-              <a:buNone/>
-              <a:defRPr>
-                <a:solidFill>
-                  <a:schemeClr val="tx1">
-                    <a:tint val="75000"/>
-                  </a:schemeClr>
-                </a:solidFill>
-              </a:defRPr>
-            </a:lvl9pPr>
           </a:lstStyle>
           <a:p>
             <a:r>
-              <a:rPr lang="en-US" smtClean="0"/>
-              <a:t>Click to edit Master subtitle style</a:t>
+              <a:rPr lang="en-US" dirty="0" smtClean="0"/>
+              <a:t>Click to edit Master title style</a:t>
             </a:r>
             <a:endParaRPr lang="en-US" dirty="0"/>
           </a:p>
@@ -4608,7 +4484,7 @@
     </p:spTree>
     <p:extLst>
       <p:ext uri="{BB962C8B-B14F-4D97-AF65-F5344CB8AC3E}">
-        <p14:creationId xmlns:p14="http://schemas.microsoft.com/office/powerpoint/2010/main" val="1915362947"/>
+        <p14:creationId xmlns:p14="http://schemas.microsoft.com/office/powerpoint/2010/main" val="1612940859"/>
       </p:ext>
     </p:extLst>
   </p:cSld>
@@ -4618,6 +4494,13 @@
   <p:transition>
     <p:fade/>
   </p:transition>
+  <p:timing>
+    <p:tnLst>
+      <p:par>
+        <p:cTn id="1" dur="indefinite" restart="never" nodeType="tmRoot"/>
+      </p:par>
+    </p:tnLst>
+  </p:timing>
 </p:sldLayout>
 </file>
 
@@ -4906,6 +4789,197 @@
 
 <file path=ppt/slideLayouts/slideLayout30.xml><?xml version="1.0" encoding="utf-8"?>
 <p:sldLayout xmlns:a="http://schemas.openxmlformats.org/drawingml/2006/main" xmlns:r="http://schemas.openxmlformats.org/officeDocument/2006/relationships" xmlns:p="http://schemas.openxmlformats.org/presentationml/2006/main" preserve="1" userDrawn="1">
+  <p:cSld name="Title Slide">
+    <p:bg>
+      <p:bgPr>
+        <a:gradFill>
+          <a:gsLst>
+            <a:gs pos="0">
+              <a:schemeClr val="tx1"/>
+            </a:gs>
+            <a:gs pos="50000">
+              <a:srgbClr val="0070C0"/>
+            </a:gs>
+            <a:gs pos="100000">
+              <a:srgbClr val="7030A0"/>
+            </a:gs>
+          </a:gsLst>
+          <a:lin ang="2700000" scaled="0"/>
+        </a:gradFill>
+        <a:effectLst/>
+      </p:bgPr>
+    </p:bg>
+    <p:spTree>
+      <p:nvGrpSpPr>
+        <p:cNvPr id="1" name=""/>
+        <p:cNvGrpSpPr/>
+        <p:nvPr/>
+      </p:nvGrpSpPr>
+      <p:grpSpPr>
+        <a:xfrm>
+          <a:off x="0" y="0"/>
+          <a:ext cx="0" cy="0"/>
+          <a:chOff x="0" y="0"/>
+          <a:chExt cx="0" cy="0"/>
+        </a:xfrm>
+      </p:grpSpPr>
+      <p:sp>
+        <p:nvSpPr>
+          <p:cNvPr id="3" name="Subtitle 2"/>
+          <p:cNvSpPr>
+            <a:spLocks noGrp="1"/>
+          </p:cNvSpPr>
+          <p:nvPr>
+            <p:ph type="subTitle" idx="1"/>
+          </p:nvPr>
+        </p:nvSpPr>
+        <p:spPr>
+          <a:xfrm>
+            <a:off x="1140010" y="4431486"/>
+            <a:ext cx="10447937" cy="470856"/>
+          </a:xfrm>
+        </p:spPr>
+        <p:txBody>
+          <a:bodyPr>
+            <a:noAutofit/>
+          </a:bodyPr>
+          <a:lstStyle>
+            <a:lvl1pPr marL="0" indent="0" algn="l">
+              <a:lnSpc>
+                <a:spcPct val="90000"/>
+              </a:lnSpc>
+              <a:spcBef>
+                <a:spcPts val="0"/>
+              </a:spcBef>
+              <a:buNone/>
+              <a:defRPr>
+                <a:gradFill>
+                  <a:gsLst>
+                    <a:gs pos="0">
+                      <a:schemeClr val="accent1">
+                        <a:lumMod val="40000"/>
+                        <a:lumOff val="60000"/>
+                      </a:schemeClr>
+                    </a:gs>
+                    <a:gs pos="86000">
+                      <a:schemeClr val="accent1">
+                        <a:lumMod val="40000"/>
+                        <a:lumOff val="60000"/>
+                      </a:schemeClr>
+                    </a:gs>
+                  </a:gsLst>
+                  <a:lin ang="5400000" scaled="0"/>
+                </a:gradFill>
+              </a:defRPr>
+            </a:lvl1pPr>
+            <a:lvl2pPr marL="466280" indent="0" algn="ctr">
+              <a:buNone/>
+              <a:defRPr>
+                <a:solidFill>
+                  <a:schemeClr val="tx1">
+                    <a:tint val="75000"/>
+                  </a:schemeClr>
+                </a:solidFill>
+              </a:defRPr>
+            </a:lvl2pPr>
+            <a:lvl3pPr marL="932559" indent="0" algn="ctr">
+              <a:buNone/>
+              <a:defRPr>
+                <a:solidFill>
+                  <a:schemeClr val="tx1">
+                    <a:tint val="75000"/>
+                  </a:schemeClr>
+                </a:solidFill>
+              </a:defRPr>
+            </a:lvl3pPr>
+            <a:lvl4pPr marL="1398839" indent="0" algn="ctr">
+              <a:buNone/>
+              <a:defRPr>
+                <a:solidFill>
+                  <a:schemeClr val="tx1">
+                    <a:tint val="75000"/>
+                  </a:schemeClr>
+                </a:solidFill>
+              </a:defRPr>
+            </a:lvl4pPr>
+            <a:lvl5pPr marL="1865119" indent="0" algn="ctr">
+              <a:buNone/>
+              <a:defRPr>
+                <a:solidFill>
+                  <a:schemeClr val="tx1">
+                    <a:tint val="75000"/>
+                  </a:schemeClr>
+                </a:solidFill>
+              </a:defRPr>
+            </a:lvl5pPr>
+            <a:lvl6pPr marL="2331399" indent="0" algn="ctr">
+              <a:buNone/>
+              <a:defRPr>
+                <a:solidFill>
+                  <a:schemeClr val="tx1">
+                    <a:tint val="75000"/>
+                  </a:schemeClr>
+                </a:solidFill>
+              </a:defRPr>
+            </a:lvl6pPr>
+            <a:lvl7pPr marL="2797677" indent="0" algn="ctr">
+              <a:buNone/>
+              <a:defRPr>
+                <a:solidFill>
+                  <a:schemeClr val="tx1">
+                    <a:tint val="75000"/>
+                  </a:schemeClr>
+                </a:solidFill>
+              </a:defRPr>
+            </a:lvl7pPr>
+            <a:lvl8pPr marL="3263957" indent="0" algn="ctr">
+              <a:buNone/>
+              <a:defRPr>
+                <a:solidFill>
+                  <a:schemeClr val="tx1">
+                    <a:tint val="75000"/>
+                  </a:schemeClr>
+                </a:solidFill>
+              </a:defRPr>
+            </a:lvl8pPr>
+            <a:lvl9pPr marL="3730237" indent="0" algn="ctr">
+              <a:buNone/>
+              <a:defRPr>
+                <a:solidFill>
+                  <a:schemeClr val="tx1">
+                    <a:tint val="75000"/>
+                  </a:schemeClr>
+                </a:solidFill>
+              </a:defRPr>
+            </a:lvl9pPr>
+          </a:lstStyle>
+          <a:p>
+            <a:r>
+              <a:rPr lang="en-US" smtClean="0"/>
+              <a:t>Click to edit Master subtitle style</a:t>
+            </a:r>
+            <a:endParaRPr lang="en-US" dirty="0"/>
+          </a:p>
+        </p:txBody>
+      </p:sp>
+    </p:spTree>
+    <p:extLst>
+      <p:ext uri="{BB962C8B-B14F-4D97-AF65-F5344CB8AC3E}">
+        <p14:creationId xmlns:p14="http://schemas.microsoft.com/office/powerpoint/2010/main" val="1915362947"/>
+      </p:ext>
+    </p:extLst>
+  </p:cSld>
+  <p:clrMapOvr>
+    <a:masterClrMapping/>
+  </p:clrMapOvr>
+  <p:transition>
+    <p:fade/>
+  </p:transition>
+</p:sldLayout>
+</file>
+
+<file path=ppt/slideLayouts/slideLayout31.xml><?xml version="1.0" encoding="utf-8"?>
+<p:sldLayout xmlns:a="http://schemas.openxmlformats.org/drawingml/2006/main" xmlns:r="http://schemas.openxmlformats.org/officeDocument/2006/relationships" xmlns:p="http://schemas.openxmlformats.org/presentationml/2006/main" preserve="1" userDrawn="1">
   <p:cSld name="1_Demo, Video etc. &quot;special&quot; slides">
     <p:bg>
       <p:bgPr>
@@ -5237,7 +5311,7 @@
 </p:sldLayout>
 </file>
 
-<file path=ppt/slideLayouts/slideLayout31.xml><?xml version="1.0" encoding="utf-8"?>
+<file path=ppt/slideLayouts/slideLayout32.xml><?xml version="1.0" encoding="utf-8"?>
 <p:sldLayout xmlns:a="http://schemas.openxmlformats.org/drawingml/2006/main" xmlns:r="http://schemas.openxmlformats.org/officeDocument/2006/relationships" xmlns:p="http://schemas.openxmlformats.org/presentationml/2006/main" preserve="1" userDrawn="1">
   <p:cSld name="1_Title and Content">
     <p:spTree>
@@ -5355,7 +5429,7 @@
 </p:sldLayout>
 </file>
 
-<file path=ppt/slideLayouts/slideLayout32.xml><?xml version="1.0" encoding="utf-8"?>
+<file path=ppt/slideLayouts/slideLayout33.xml><?xml version="1.0" encoding="utf-8"?>
 <p:sldLayout xmlns:a="http://schemas.openxmlformats.org/drawingml/2006/main" xmlns:r="http://schemas.openxmlformats.org/officeDocument/2006/relationships" xmlns:p="http://schemas.openxmlformats.org/presentationml/2006/main" type="obj" preserve="1">
   <p:cSld name="Title and Content">
     <p:spTree>
@@ -5523,7 +5597,7 @@
 </p:sldLayout>
 </file>
 
-<file path=ppt/slideLayouts/slideLayout33.xml><?xml version="1.0" encoding="utf-8"?>
+<file path=ppt/slideLayouts/slideLayout34.xml><?xml version="1.0" encoding="utf-8"?>
 <p:sldLayout xmlns:a="http://schemas.openxmlformats.org/drawingml/2006/main" xmlns:r="http://schemas.openxmlformats.org/officeDocument/2006/relationships" xmlns:p="http://schemas.openxmlformats.org/presentationml/2006/main" type="twoObj" preserve="1">
   <p:cSld name="Two Content">
     <p:spTree>
@@ -5779,7 +5853,7 @@
 </p:sldLayout>
 </file>
 
-<file path=ppt/slideLayouts/slideLayout34.xml><?xml version="1.0" encoding="utf-8"?>
+<file path=ppt/slideLayouts/slideLayout35.xml><?xml version="1.0" encoding="utf-8"?>
 <p:sldLayout xmlns:a="http://schemas.openxmlformats.org/drawingml/2006/main" xmlns:r="http://schemas.openxmlformats.org/officeDocument/2006/relationships" xmlns:p="http://schemas.openxmlformats.org/presentationml/2006/main" type="twoTxTwoObj" preserve="1">
   <p:cSld name="Comparison">
     <p:spTree>
@@ -6151,7 +6225,7 @@
 </p:sldLayout>
 </file>
 
-<file path=ppt/slideLayouts/slideLayout35.xml><?xml version="1.0" encoding="utf-8"?>
+<file path=ppt/slideLayouts/slideLayout36.xml><?xml version="1.0" encoding="utf-8"?>
 <p:sldLayout xmlns:a="http://schemas.openxmlformats.org/drawingml/2006/main" xmlns:r="http://schemas.openxmlformats.org/officeDocument/2006/relationships" xmlns:p="http://schemas.openxmlformats.org/presentationml/2006/main" type="titleOnly" preserve="1">
   <p:cSld name="Title Only">
     <p:spTree>
@@ -6207,7 +6281,7 @@
 </p:sldLayout>
 </file>
 
-<file path=ppt/slideLayouts/slideLayout36.xml><?xml version="1.0" encoding="utf-8"?>
+<file path=ppt/slideLayouts/slideLayout37.xml><?xml version="1.0" encoding="utf-8"?>
 <p:sldLayout xmlns:a="http://schemas.openxmlformats.org/drawingml/2006/main" xmlns:r="http://schemas.openxmlformats.org/officeDocument/2006/relationships" xmlns:p="http://schemas.openxmlformats.org/presentationml/2006/main" type="blank" preserve="1">
   <p:cSld name="Blank">
     <p:spTree>
@@ -6240,7 +6314,7 @@
 </p:sldLayout>
 </file>
 
-<file path=ppt/slideLayouts/slideLayout37.xml><?xml version="1.0" encoding="utf-8"?>
+<file path=ppt/slideLayouts/slideLayout38.xml><?xml version="1.0" encoding="utf-8"?>
 <p:sldLayout xmlns:a="http://schemas.openxmlformats.org/drawingml/2006/main" xmlns:r="http://schemas.openxmlformats.org/officeDocument/2006/relationships" xmlns:p="http://schemas.openxmlformats.org/presentationml/2006/main" preserve="1" userDrawn="1">
   <p:cSld name="WALKIN - Prints in GRAYSCALE">
     <p:bg bwMode="ltGray">
@@ -6292,7 +6366,7 @@
 </p:sldLayout>
 </file>
 
-<file path=ppt/slideLayouts/slideLayout38.xml><?xml version="1.0" encoding="utf-8"?>
+<file path=ppt/slideLayouts/slideLayout39.xml><?xml version="1.0" encoding="utf-8"?>
 <p:sldLayout xmlns:a="http://schemas.openxmlformats.org/drawingml/2006/main" xmlns:r="http://schemas.openxmlformats.org/officeDocument/2006/relationships" xmlns:p="http://schemas.openxmlformats.org/presentationml/2006/main" preserve="1" userDrawn="1">
   <p:cSld name="No Camera Layout">
     <p:spTree>
@@ -6718,229 +6792,6 @@
 </p:sldLayout>
 </file>
 
-<file path=ppt/slideLayouts/slideLayout39.xml><?xml version="1.0" encoding="utf-8"?>
-<p:sldLayout xmlns:a="http://schemas.openxmlformats.org/drawingml/2006/main" xmlns:r="http://schemas.openxmlformats.org/officeDocument/2006/relationships" xmlns:p="http://schemas.openxmlformats.org/presentationml/2006/main">
-  <p:cSld name="3_Title and Content">
-    <p:bg bwMode="black">
-      <p:bgPr>
-        <a:gradFill>
-          <a:gsLst>
-            <a:gs pos="0">
-              <a:schemeClr val="tx1"/>
-            </a:gs>
-            <a:gs pos="50000">
-              <a:srgbClr val="0070C0"/>
-            </a:gs>
-            <a:gs pos="100000">
-              <a:srgbClr val="7030A0"/>
-            </a:gs>
-          </a:gsLst>
-          <a:lin ang="2700000" scaled="0"/>
-        </a:gradFill>
-        <a:effectLst/>
-      </p:bgPr>
-    </p:bg>
-    <p:spTree>
-      <p:nvGrpSpPr>
-        <p:cNvPr id="1" name=""/>
-        <p:cNvGrpSpPr/>
-        <p:nvPr/>
-      </p:nvGrpSpPr>
-      <p:grpSpPr>
-        <a:xfrm>
-          <a:off x="0" y="0"/>
-          <a:ext cx="0" cy="0"/>
-          <a:chOff x="0" y="0"/>
-          <a:chExt cx="0" cy="0"/>
-        </a:xfrm>
-      </p:grpSpPr>
-      <p:sp>
-        <p:nvSpPr>
-          <p:cNvPr id="2" name="Title 1"/>
-          <p:cNvSpPr>
-            <a:spLocks noGrp="1"/>
-          </p:cNvSpPr>
-          <p:nvPr>
-            <p:ph type="title"/>
-          </p:nvPr>
-        </p:nvSpPr>
-        <p:spPr bwMode="white"/>
-        <p:txBody>
-          <a:bodyPr/>
-          <a:lstStyle/>
-          <a:p>
-            <a:r>
-              <a:rPr lang="en-US" smtClean="0"/>
-              <a:t>Click to edit Master title style</a:t>
-            </a:r>
-            <a:endParaRPr lang="en-US" dirty="0"/>
-          </a:p>
-        </p:txBody>
-      </p:sp>
-      <p:sp>
-        <p:nvSpPr>
-          <p:cNvPr id="6" name="Text Placeholder 5"/>
-          <p:cNvSpPr>
-            <a:spLocks noGrp="1"/>
-          </p:cNvSpPr>
-          <p:nvPr>
-            <p:ph type="body" sz="quarter" idx="10"/>
-          </p:nvPr>
-        </p:nvSpPr>
-        <p:spPr bwMode="white">
-          <a:xfrm>
-            <a:off x="518187" y="1476622"/>
-            <a:ext cx="11400102" cy="2040559"/>
-          </a:xfrm>
-        </p:spPr>
-        <p:txBody>
-          <a:bodyPr/>
-          <a:lstStyle>
-            <a:lvl1pPr>
-              <a:buClr>
-                <a:schemeClr val="tx1"/>
-              </a:buClr>
-              <a:buSzPct val="70000"/>
-              <a:buFont typeface="Wingdings" pitchFamily="2" charset="2"/>
-              <a:buChar char="l"/>
-              <a:defRPr/>
-            </a:lvl1pPr>
-            <a:lvl2pPr>
-              <a:buClr>
-                <a:schemeClr val="tx1"/>
-              </a:buClr>
-              <a:buSzPct val="70000"/>
-              <a:buFont typeface="Wingdings" pitchFamily="2" charset="2"/>
-              <a:buChar char="l"/>
-              <a:defRPr/>
-            </a:lvl2pPr>
-            <a:lvl3pPr>
-              <a:buClr>
-                <a:schemeClr val="tx1"/>
-              </a:buClr>
-              <a:buSzPct val="70000"/>
-              <a:buFont typeface="Wingdings" pitchFamily="2" charset="2"/>
-              <a:buChar char="l"/>
-              <a:defRPr/>
-            </a:lvl3pPr>
-            <a:lvl4pPr>
-              <a:buClr>
-                <a:schemeClr val="tx1"/>
-              </a:buClr>
-              <a:buSzPct val="70000"/>
-              <a:buFont typeface="Wingdings" pitchFamily="2" charset="2"/>
-              <a:buChar char="l"/>
-              <a:defRPr/>
-            </a:lvl4pPr>
-            <a:lvl5pPr>
-              <a:buClr>
-                <a:schemeClr val="tx1"/>
-              </a:buClr>
-              <a:buSzPct val="70000"/>
-              <a:buFont typeface="Wingdings" pitchFamily="2" charset="2"/>
-              <a:buChar char="l"/>
-              <a:defRPr/>
-            </a:lvl5pPr>
-          </a:lstStyle>
-          <a:p>
-            <a:pPr lvl="0"/>
-            <a:r>
-              <a:rPr lang="en-US" smtClean="0"/>
-              <a:t>Click to edit Master text styles</a:t>
-            </a:r>
-          </a:p>
-          <a:p>
-            <a:pPr lvl="1"/>
-            <a:r>
-              <a:rPr lang="en-US" smtClean="0"/>
-              <a:t>Second level</a:t>
-            </a:r>
-          </a:p>
-          <a:p>
-            <a:pPr lvl="2"/>
-            <a:r>
-              <a:rPr lang="en-US" smtClean="0"/>
-              <a:t>Third level</a:t>
-            </a:r>
-          </a:p>
-          <a:p>
-            <a:pPr lvl="3"/>
-            <a:r>
-              <a:rPr lang="en-US" smtClean="0"/>
-              <a:t>Fourth level</a:t>
-            </a:r>
-          </a:p>
-          <a:p>
-            <a:pPr lvl="4"/>
-            <a:r>
-              <a:rPr lang="en-US" smtClean="0"/>
-              <a:t>Fifth level</a:t>
-            </a:r>
-            <a:endParaRPr lang="en-US" dirty="0"/>
-          </a:p>
-        </p:txBody>
-      </p:sp>
-      <p:sp>
-        <p:nvSpPr>
-          <p:cNvPr id="4" name="Text Placeholder 6"/>
-          <p:cNvSpPr>
-            <a:spLocks noGrp="1"/>
-          </p:cNvSpPr>
-          <p:nvPr>
-            <p:ph type="body" sz="quarter" idx="11"/>
-          </p:nvPr>
-        </p:nvSpPr>
-        <p:spPr>
-          <a:xfrm>
-            <a:off x="2" y="6363077"/>
-            <a:ext cx="12436476" cy="631450"/>
-          </a:xfrm>
-          <a:solidFill>
-            <a:srgbClr val="FFFF99"/>
-          </a:solidFill>
-        </p:spPr>
-        <p:txBody>
-          <a:bodyPr wrap="square" lIns="152394" tIns="76197" rIns="152394" bIns="76197" anchor="b" anchorCtr="0">
-            <a:noAutofit/>
-          </a:bodyPr>
-          <a:lstStyle>
-            <a:lvl1pPr algn="r">
-              <a:buFont typeface="Arial" pitchFamily="34" charset="0"/>
-              <a:buNone/>
-              <a:defRPr>
-                <a:solidFill>
-                  <a:srgbClr val="000000"/>
-                </a:solidFill>
-                <a:effectLst/>
-                <a:latin typeface="Segoe Semibold" pitchFamily="34" charset="0"/>
-              </a:defRPr>
-            </a:lvl1pPr>
-          </a:lstStyle>
-          <a:p>
-            <a:pPr lvl="0"/>
-            <a:r>
-              <a:rPr lang="en-US" smtClean="0"/>
-              <a:t>Click to edit Master text styles</a:t>
-            </a:r>
-          </a:p>
-        </p:txBody>
-      </p:sp>
-    </p:spTree>
-    <p:extLst>
-      <p:ext uri="{BB962C8B-B14F-4D97-AF65-F5344CB8AC3E}">
-        <p14:creationId xmlns:p14="http://schemas.microsoft.com/office/powerpoint/2010/main" val="3916608818"/>
-      </p:ext>
-    </p:extLst>
-  </p:cSld>
-  <p:clrMapOvr>
-    <a:masterClrMapping/>
-  </p:clrMapOvr>
-  <p:transition>
-    <p:fade/>
-  </p:transition>
-</p:sldLayout>
-</file>
-
 <file path=ppt/slideLayouts/slideLayout4.xml><?xml version="1.0" encoding="utf-8"?>
 <p:sldLayout xmlns:a="http://schemas.openxmlformats.org/drawingml/2006/main" xmlns:r="http://schemas.openxmlformats.org/officeDocument/2006/relationships" xmlns:p="http://schemas.openxmlformats.org/presentationml/2006/main" preserve="1" userDrawn="1">
   <p:cSld name="Title Slide 4">
@@ -7226,6 +7077,229 @@
 
 <file path=ppt/slideLayouts/slideLayout40.xml><?xml version="1.0" encoding="utf-8"?>
 <p:sldLayout xmlns:a="http://schemas.openxmlformats.org/drawingml/2006/main" xmlns:r="http://schemas.openxmlformats.org/officeDocument/2006/relationships" xmlns:p="http://schemas.openxmlformats.org/presentationml/2006/main">
+  <p:cSld name="3_Title and Content">
+    <p:bg bwMode="black">
+      <p:bgPr>
+        <a:gradFill>
+          <a:gsLst>
+            <a:gs pos="0">
+              <a:schemeClr val="tx1"/>
+            </a:gs>
+            <a:gs pos="50000">
+              <a:srgbClr val="0070C0"/>
+            </a:gs>
+            <a:gs pos="100000">
+              <a:srgbClr val="7030A0"/>
+            </a:gs>
+          </a:gsLst>
+          <a:lin ang="2700000" scaled="0"/>
+        </a:gradFill>
+        <a:effectLst/>
+      </p:bgPr>
+    </p:bg>
+    <p:spTree>
+      <p:nvGrpSpPr>
+        <p:cNvPr id="1" name=""/>
+        <p:cNvGrpSpPr/>
+        <p:nvPr/>
+      </p:nvGrpSpPr>
+      <p:grpSpPr>
+        <a:xfrm>
+          <a:off x="0" y="0"/>
+          <a:ext cx="0" cy="0"/>
+          <a:chOff x="0" y="0"/>
+          <a:chExt cx="0" cy="0"/>
+        </a:xfrm>
+      </p:grpSpPr>
+      <p:sp>
+        <p:nvSpPr>
+          <p:cNvPr id="2" name="Title 1"/>
+          <p:cNvSpPr>
+            <a:spLocks noGrp="1"/>
+          </p:cNvSpPr>
+          <p:nvPr>
+            <p:ph type="title"/>
+          </p:nvPr>
+        </p:nvSpPr>
+        <p:spPr bwMode="white"/>
+        <p:txBody>
+          <a:bodyPr/>
+          <a:lstStyle/>
+          <a:p>
+            <a:r>
+              <a:rPr lang="en-US" smtClean="0"/>
+              <a:t>Click to edit Master title style</a:t>
+            </a:r>
+            <a:endParaRPr lang="en-US" dirty="0"/>
+          </a:p>
+        </p:txBody>
+      </p:sp>
+      <p:sp>
+        <p:nvSpPr>
+          <p:cNvPr id="6" name="Text Placeholder 5"/>
+          <p:cNvSpPr>
+            <a:spLocks noGrp="1"/>
+          </p:cNvSpPr>
+          <p:nvPr>
+            <p:ph type="body" sz="quarter" idx="10"/>
+          </p:nvPr>
+        </p:nvSpPr>
+        <p:spPr bwMode="white">
+          <a:xfrm>
+            <a:off x="518187" y="1476622"/>
+            <a:ext cx="11400102" cy="2040559"/>
+          </a:xfrm>
+        </p:spPr>
+        <p:txBody>
+          <a:bodyPr/>
+          <a:lstStyle>
+            <a:lvl1pPr>
+              <a:buClr>
+                <a:schemeClr val="tx1"/>
+              </a:buClr>
+              <a:buSzPct val="70000"/>
+              <a:buFont typeface="Wingdings" pitchFamily="2" charset="2"/>
+              <a:buChar char="l"/>
+              <a:defRPr/>
+            </a:lvl1pPr>
+            <a:lvl2pPr>
+              <a:buClr>
+                <a:schemeClr val="tx1"/>
+              </a:buClr>
+              <a:buSzPct val="70000"/>
+              <a:buFont typeface="Wingdings" pitchFamily="2" charset="2"/>
+              <a:buChar char="l"/>
+              <a:defRPr/>
+            </a:lvl2pPr>
+            <a:lvl3pPr>
+              <a:buClr>
+                <a:schemeClr val="tx1"/>
+              </a:buClr>
+              <a:buSzPct val="70000"/>
+              <a:buFont typeface="Wingdings" pitchFamily="2" charset="2"/>
+              <a:buChar char="l"/>
+              <a:defRPr/>
+            </a:lvl3pPr>
+            <a:lvl4pPr>
+              <a:buClr>
+                <a:schemeClr val="tx1"/>
+              </a:buClr>
+              <a:buSzPct val="70000"/>
+              <a:buFont typeface="Wingdings" pitchFamily="2" charset="2"/>
+              <a:buChar char="l"/>
+              <a:defRPr/>
+            </a:lvl4pPr>
+            <a:lvl5pPr>
+              <a:buClr>
+                <a:schemeClr val="tx1"/>
+              </a:buClr>
+              <a:buSzPct val="70000"/>
+              <a:buFont typeface="Wingdings" pitchFamily="2" charset="2"/>
+              <a:buChar char="l"/>
+              <a:defRPr/>
+            </a:lvl5pPr>
+          </a:lstStyle>
+          <a:p>
+            <a:pPr lvl="0"/>
+            <a:r>
+              <a:rPr lang="en-US" smtClean="0"/>
+              <a:t>Click to edit Master text styles</a:t>
+            </a:r>
+          </a:p>
+          <a:p>
+            <a:pPr lvl="1"/>
+            <a:r>
+              <a:rPr lang="en-US" smtClean="0"/>
+              <a:t>Second level</a:t>
+            </a:r>
+          </a:p>
+          <a:p>
+            <a:pPr lvl="2"/>
+            <a:r>
+              <a:rPr lang="en-US" smtClean="0"/>
+              <a:t>Third level</a:t>
+            </a:r>
+          </a:p>
+          <a:p>
+            <a:pPr lvl="3"/>
+            <a:r>
+              <a:rPr lang="en-US" smtClean="0"/>
+              <a:t>Fourth level</a:t>
+            </a:r>
+          </a:p>
+          <a:p>
+            <a:pPr lvl="4"/>
+            <a:r>
+              <a:rPr lang="en-US" smtClean="0"/>
+              <a:t>Fifth level</a:t>
+            </a:r>
+            <a:endParaRPr lang="en-US" dirty="0"/>
+          </a:p>
+        </p:txBody>
+      </p:sp>
+      <p:sp>
+        <p:nvSpPr>
+          <p:cNvPr id="4" name="Text Placeholder 6"/>
+          <p:cNvSpPr>
+            <a:spLocks noGrp="1"/>
+          </p:cNvSpPr>
+          <p:nvPr>
+            <p:ph type="body" sz="quarter" idx="11"/>
+          </p:nvPr>
+        </p:nvSpPr>
+        <p:spPr>
+          <a:xfrm>
+            <a:off x="2" y="6363077"/>
+            <a:ext cx="12436476" cy="631450"/>
+          </a:xfrm>
+          <a:solidFill>
+            <a:srgbClr val="FFFF99"/>
+          </a:solidFill>
+        </p:spPr>
+        <p:txBody>
+          <a:bodyPr wrap="square" lIns="152394" tIns="76197" rIns="152394" bIns="76197" anchor="b" anchorCtr="0">
+            <a:noAutofit/>
+          </a:bodyPr>
+          <a:lstStyle>
+            <a:lvl1pPr algn="r">
+              <a:buFont typeface="Arial" pitchFamily="34" charset="0"/>
+              <a:buNone/>
+              <a:defRPr>
+                <a:solidFill>
+                  <a:srgbClr val="000000"/>
+                </a:solidFill>
+                <a:effectLst/>
+                <a:latin typeface="Segoe Semibold" pitchFamily="34" charset="0"/>
+              </a:defRPr>
+            </a:lvl1pPr>
+          </a:lstStyle>
+          <a:p>
+            <a:pPr lvl="0"/>
+            <a:r>
+              <a:rPr lang="en-US" smtClean="0"/>
+              <a:t>Click to edit Master text styles</a:t>
+            </a:r>
+          </a:p>
+        </p:txBody>
+      </p:sp>
+    </p:spTree>
+    <p:extLst>
+      <p:ext uri="{BB962C8B-B14F-4D97-AF65-F5344CB8AC3E}">
+        <p14:creationId xmlns:p14="http://schemas.microsoft.com/office/powerpoint/2010/main" val="3916608818"/>
+      </p:ext>
+    </p:extLst>
+  </p:cSld>
+  <p:clrMapOvr>
+    <a:masterClrMapping/>
+  </p:clrMapOvr>
+  <p:transition>
+    <p:fade/>
+  </p:transition>
+</p:sldLayout>
+</file>
+
+<file path=ppt/slideLayouts/slideLayout41.xml><?xml version="1.0" encoding="utf-8"?>
+<p:sldLayout xmlns:a="http://schemas.openxmlformats.org/drawingml/2006/main" xmlns:r="http://schemas.openxmlformats.org/officeDocument/2006/relationships" xmlns:p="http://schemas.openxmlformats.org/presentationml/2006/main">
   <p:cSld name="Use for slides with Software Code">
     <p:spTree>
       <p:nvGrpSpPr>
@@ -7368,7 +7442,7 @@
 </p:sldLayout>
 </file>
 
-<file path=ppt/slideLayouts/slideLayout41.xml><?xml version="1.0" encoding="utf-8"?>
+<file path=ppt/slideLayouts/slideLayout42.xml><?xml version="1.0" encoding="utf-8"?>
 <p:sldLayout xmlns:a="http://schemas.openxmlformats.org/drawingml/2006/main" xmlns:r="http://schemas.openxmlformats.org/officeDocument/2006/relationships" xmlns:p="http://schemas.openxmlformats.org/presentationml/2006/main" preserve="1" userDrawn="1">
   <p:cSld name="Title Slide">
     <p:bg>
@@ -7559,7 +7633,7 @@
 </p:sldLayout>
 </file>
 
-<file path=ppt/slideLayouts/slideLayout42.xml><?xml version="1.0" encoding="utf-8"?>
+<file path=ppt/slideLayouts/slideLayout43.xml><?xml version="1.0" encoding="utf-8"?>
 <p:sldLayout xmlns:a="http://schemas.openxmlformats.org/drawingml/2006/main" xmlns:r="http://schemas.openxmlformats.org/officeDocument/2006/relationships" xmlns:p="http://schemas.openxmlformats.org/presentationml/2006/main" preserve="1" userDrawn="1">
   <p:cSld name="1_Demo, Video etc. &quot;special&quot; slides">
     <p:bg>
@@ -7892,7 +7966,7 @@
 </p:sldLayout>
 </file>
 
-<file path=ppt/slideLayouts/slideLayout43.xml><?xml version="1.0" encoding="utf-8"?>
+<file path=ppt/slideLayouts/slideLayout44.xml><?xml version="1.0" encoding="utf-8"?>
 <p:sldLayout xmlns:a="http://schemas.openxmlformats.org/drawingml/2006/main" xmlns:r="http://schemas.openxmlformats.org/officeDocument/2006/relationships" xmlns:p="http://schemas.openxmlformats.org/presentationml/2006/main" preserve="1" userDrawn="1">
   <p:cSld name="1_Title and Content">
     <p:spTree>
@@ -8010,7 +8084,7 @@
 </p:sldLayout>
 </file>
 
-<file path=ppt/slideLayouts/slideLayout44.xml><?xml version="1.0" encoding="utf-8"?>
+<file path=ppt/slideLayouts/slideLayout45.xml><?xml version="1.0" encoding="utf-8"?>
 <p:sldLayout xmlns:a="http://schemas.openxmlformats.org/drawingml/2006/main" xmlns:r="http://schemas.openxmlformats.org/officeDocument/2006/relationships" xmlns:p="http://schemas.openxmlformats.org/presentationml/2006/main" type="obj" preserve="1">
   <p:cSld name="Title and Content">
     <p:spTree>
@@ -8178,7 +8252,7 @@
 </p:sldLayout>
 </file>
 
-<file path=ppt/slideLayouts/slideLayout45.xml><?xml version="1.0" encoding="utf-8"?>
+<file path=ppt/slideLayouts/slideLayout46.xml><?xml version="1.0" encoding="utf-8"?>
 <p:sldLayout xmlns:a="http://schemas.openxmlformats.org/drawingml/2006/main" xmlns:r="http://schemas.openxmlformats.org/officeDocument/2006/relationships" xmlns:p="http://schemas.openxmlformats.org/presentationml/2006/main" type="twoObj" preserve="1">
   <p:cSld name="Two Content">
     <p:spTree>
@@ -8434,7 +8508,7 @@
 </p:sldLayout>
 </file>
 
-<file path=ppt/slideLayouts/slideLayout46.xml><?xml version="1.0" encoding="utf-8"?>
+<file path=ppt/slideLayouts/slideLayout47.xml><?xml version="1.0" encoding="utf-8"?>
 <p:sldLayout xmlns:a="http://schemas.openxmlformats.org/drawingml/2006/main" xmlns:r="http://schemas.openxmlformats.org/officeDocument/2006/relationships" xmlns:p="http://schemas.openxmlformats.org/presentationml/2006/main" type="twoTxTwoObj" preserve="1">
   <p:cSld name="Comparison">
     <p:spTree>
@@ -8806,7 +8880,7 @@
 </p:sldLayout>
 </file>
 
-<file path=ppt/slideLayouts/slideLayout47.xml><?xml version="1.0" encoding="utf-8"?>
+<file path=ppt/slideLayouts/slideLayout48.xml><?xml version="1.0" encoding="utf-8"?>
 <p:sldLayout xmlns:a="http://schemas.openxmlformats.org/drawingml/2006/main" xmlns:r="http://schemas.openxmlformats.org/officeDocument/2006/relationships" xmlns:p="http://schemas.openxmlformats.org/presentationml/2006/main" type="titleOnly" preserve="1">
   <p:cSld name="Title Only">
     <p:spTree>
@@ -8862,7 +8936,7 @@
 </p:sldLayout>
 </file>
 
-<file path=ppt/slideLayouts/slideLayout48.xml><?xml version="1.0" encoding="utf-8"?>
+<file path=ppt/slideLayouts/slideLayout49.xml><?xml version="1.0" encoding="utf-8"?>
 <p:sldLayout xmlns:a="http://schemas.openxmlformats.org/drawingml/2006/main" xmlns:r="http://schemas.openxmlformats.org/officeDocument/2006/relationships" xmlns:p="http://schemas.openxmlformats.org/presentationml/2006/main" type="blank" preserve="1">
   <p:cSld name="Blank">
     <p:spTree>
@@ -8883,58 +8957,6 @@
     <p:extLst>
       <p:ext uri="{BB962C8B-B14F-4D97-AF65-F5344CB8AC3E}">
         <p14:creationId xmlns:p14="http://schemas.microsoft.com/office/powerpoint/2010/main" val="3312528541"/>
-      </p:ext>
-    </p:extLst>
-  </p:cSld>
-  <p:clrMapOvr>
-    <a:masterClrMapping/>
-  </p:clrMapOvr>
-  <p:transition>
-    <p:fade/>
-  </p:transition>
-</p:sldLayout>
-</file>
-
-<file path=ppt/slideLayouts/slideLayout49.xml><?xml version="1.0" encoding="utf-8"?>
-<p:sldLayout xmlns:a="http://schemas.openxmlformats.org/drawingml/2006/main" xmlns:r="http://schemas.openxmlformats.org/officeDocument/2006/relationships" xmlns:p="http://schemas.openxmlformats.org/presentationml/2006/main" preserve="1" userDrawn="1">
-  <p:cSld name="WALKIN - Prints in GRAYSCALE">
-    <p:bg bwMode="ltGray">
-      <p:bgPr>
-        <a:gradFill>
-          <a:gsLst>
-            <a:gs pos="0">
-              <a:schemeClr val="tx1"/>
-            </a:gs>
-            <a:gs pos="50000">
-              <a:srgbClr val="0070C0"/>
-            </a:gs>
-            <a:gs pos="100000">
-              <a:srgbClr val="7030A0"/>
-            </a:gs>
-          </a:gsLst>
-          <a:lin ang="2700000" scaled="0"/>
-        </a:gradFill>
-        <a:effectLst/>
-      </p:bgPr>
-    </p:bg>
-    <p:spTree>
-      <p:nvGrpSpPr>
-        <p:cNvPr id="1" name=""/>
-        <p:cNvGrpSpPr/>
-        <p:nvPr/>
-      </p:nvGrpSpPr>
-      <p:grpSpPr>
-        <a:xfrm>
-          <a:off x="0" y="0"/>
-          <a:ext cx="0" cy="0"/>
-          <a:chOff x="0" y="0"/>
-          <a:chExt cx="0" cy="0"/>
-        </a:xfrm>
-      </p:grpSpPr>
-    </p:spTree>
-    <p:extLst>
-      <p:ext uri="{BB962C8B-B14F-4D97-AF65-F5344CB8AC3E}">
-        <p14:creationId xmlns:p14="http://schemas.microsoft.com/office/powerpoint/2010/main" val="1037589999"/>
       </p:ext>
     </p:extLst>
   </p:cSld>
@@ -9229,6 +9251,58 @@
 </file>
 
 <file path=ppt/slideLayouts/slideLayout50.xml><?xml version="1.0" encoding="utf-8"?>
+<p:sldLayout xmlns:a="http://schemas.openxmlformats.org/drawingml/2006/main" xmlns:r="http://schemas.openxmlformats.org/officeDocument/2006/relationships" xmlns:p="http://schemas.openxmlformats.org/presentationml/2006/main" preserve="1" userDrawn="1">
+  <p:cSld name="WALKIN - Prints in GRAYSCALE">
+    <p:bg bwMode="ltGray">
+      <p:bgPr>
+        <a:gradFill>
+          <a:gsLst>
+            <a:gs pos="0">
+              <a:schemeClr val="tx1"/>
+            </a:gs>
+            <a:gs pos="50000">
+              <a:srgbClr val="0070C0"/>
+            </a:gs>
+            <a:gs pos="100000">
+              <a:srgbClr val="7030A0"/>
+            </a:gs>
+          </a:gsLst>
+          <a:lin ang="2700000" scaled="0"/>
+        </a:gradFill>
+        <a:effectLst/>
+      </p:bgPr>
+    </p:bg>
+    <p:spTree>
+      <p:nvGrpSpPr>
+        <p:cNvPr id="1" name=""/>
+        <p:cNvGrpSpPr/>
+        <p:nvPr/>
+      </p:nvGrpSpPr>
+      <p:grpSpPr>
+        <a:xfrm>
+          <a:off x="0" y="0"/>
+          <a:ext cx="0" cy="0"/>
+          <a:chOff x="0" y="0"/>
+          <a:chExt cx="0" cy="0"/>
+        </a:xfrm>
+      </p:grpSpPr>
+    </p:spTree>
+    <p:extLst>
+      <p:ext uri="{BB962C8B-B14F-4D97-AF65-F5344CB8AC3E}">
+        <p14:creationId xmlns:p14="http://schemas.microsoft.com/office/powerpoint/2010/main" val="1037589999"/>
+      </p:ext>
+    </p:extLst>
+  </p:cSld>
+  <p:clrMapOvr>
+    <a:masterClrMapping/>
+  </p:clrMapOvr>
+  <p:transition>
+    <p:fade/>
+  </p:transition>
+</p:sldLayout>
+</file>
+
+<file path=ppt/slideLayouts/slideLayout51.xml><?xml version="1.0" encoding="utf-8"?>
 <p:sldLayout xmlns:a="http://schemas.openxmlformats.org/drawingml/2006/main" xmlns:r="http://schemas.openxmlformats.org/officeDocument/2006/relationships" xmlns:p="http://schemas.openxmlformats.org/presentationml/2006/main" preserve="1" userDrawn="1">
   <p:cSld name="No Camera Layout">
     <p:spTree>
@@ -9654,7 +9728,7 @@
 </p:sldLayout>
 </file>
 
-<file path=ppt/slideLayouts/slideLayout51.xml><?xml version="1.0" encoding="utf-8"?>
+<file path=ppt/slideLayouts/slideLayout52.xml><?xml version="1.0" encoding="utf-8"?>
 <p:sldLayout xmlns:a="http://schemas.openxmlformats.org/drawingml/2006/main" xmlns:r="http://schemas.openxmlformats.org/officeDocument/2006/relationships" xmlns:p="http://schemas.openxmlformats.org/presentationml/2006/main">
   <p:cSld name="3_Title and Content">
     <p:bg bwMode="black">
@@ -9877,7 +9951,7 @@
 </p:sldLayout>
 </file>
 
-<file path=ppt/slideLayouts/slideLayout52.xml><?xml version="1.0" encoding="utf-8"?>
+<file path=ppt/slideLayouts/slideLayout53.xml><?xml version="1.0" encoding="utf-8"?>
 <p:sldLayout xmlns:a="http://schemas.openxmlformats.org/drawingml/2006/main" xmlns:r="http://schemas.openxmlformats.org/officeDocument/2006/relationships" xmlns:p="http://schemas.openxmlformats.org/presentationml/2006/main">
   <p:cSld name="Use for slides with Software Code">
     <p:spTree>
@@ -11234,7 +11308,7 @@
           <p:nvPr userDrawn="1"/>
         </p:nvPicPr>
         <p:blipFill>
-          <a:blip r:embed="rId30">
+          <a:blip r:embed="rId31">
             <a:extLst>
               <a:ext uri="{28A0092B-C50C-407E-A947-70E740481C1C}">
                 <a14:useLocalDpi xmlns:a14="http://schemas.microsoft.com/office/drawing/2010/main" val="0"/>
@@ -11292,6 +11366,7 @@
     <p:sldLayoutId id="2147484129" r:id="rId26"/>
     <p:sldLayoutId id="2147484094" r:id="rId27"/>
     <p:sldLayoutId id="2147484096" r:id="rId28"/>
+    <p:sldLayoutId id="2147484209" r:id="rId29"/>
   </p:sldLayoutIdLst>
   <p:transition>
     <p:fade/>
@@ -14256,6 +14331,803 @@
         <p:spPr>
           <a:xfrm>
             <a:off x="274638" y="1212850"/>
+            <a:ext cx="11887200" cy="5890843"/>
+          </a:xfrm>
+        </p:spPr>
+        <p:txBody>
+          <a:bodyPr/>
+          <a:lstStyle/>
+          <a:p>
+            <a:r>
+              <a:rPr lang="en-US" sz="3600" dirty="0" smtClean="0"/>
+              <a:t>2-700: </a:t>
+            </a:r>
+            <a:r>
+              <a:rPr lang="en-US" sz="3600" dirty="0"/>
+              <a:t>Building Resilient, Scalable Services with Microsoft Azure Service </a:t>
+            </a:r>
+            <a:r>
+              <a:rPr lang="en-US" sz="3600" dirty="0" smtClean="0"/>
+              <a:t>Fabric</a:t>
+            </a:r>
+          </a:p>
+          <a:p>
+            <a:pPr lvl="1"/>
+            <a:r>
+              <a:rPr lang="en-US" sz="2000" dirty="0"/>
+              <a:t>Mark </a:t>
+            </a:r>
+            <a:r>
+              <a:rPr lang="en-US" sz="2000" dirty="0" smtClean="0"/>
+              <a:t>Fussell - Principal </a:t>
+            </a:r>
+            <a:r>
+              <a:rPr lang="en-US" sz="2000" dirty="0"/>
+              <a:t>Program Manager</a:t>
+            </a:r>
+          </a:p>
+          <a:p>
+            <a:pPr lvl="1"/>
+            <a:r>
+              <a:rPr lang="en-US" sz="2000" dirty="0" smtClean="0"/>
+              <a:t>Vipul Modi - Principal </a:t>
+            </a:r>
+            <a:r>
+              <a:rPr lang="en-US" sz="2000" dirty="0"/>
+              <a:t>Software Engineering Manager</a:t>
+            </a:r>
+          </a:p>
+          <a:p>
+            <a:r>
+              <a:rPr lang="en-US" sz="3600" dirty="0" smtClean="0"/>
+              <a:t>2-640: </a:t>
+            </a:r>
+            <a:r>
+              <a:rPr lang="en-US" sz="3600" dirty="0"/>
+              <a:t>Microsoft Azure Service Fabric </a:t>
+            </a:r>
+            <a:r>
+              <a:rPr lang="en-US" sz="3600" dirty="0" smtClean="0"/>
+              <a:t>Architecture</a:t>
+            </a:r>
+          </a:p>
+          <a:p>
+            <a:pPr lvl="1"/>
+            <a:r>
+              <a:rPr lang="en-US" sz="2000" dirty="0"/>
+              <a:t>Gopal </a:t>
+            </a:r>
+            <a:r>
+              <a:rPr lang="en-US" sz="2000" dirty="0" err="1" smtClean="0"/>
+              <a:t>Kakivaya</a:t>
+            </a:r>
+            <a:r>
+              <a:rPr lang="en-US" sz="2000" dirty="0"/>
+              <a:t> </a:t>
+            </a:r>
+            <a:r>
+              <a:rPr lang="en-US" sz="2000" dirty="0" smtClean="0"/>
+              <a:t>- Corporate Vice President</a:t>
+            </a:r>
+          </a:p>
+          <a:p>
+            <a:r>
+              <a:rPr lang="en-US" sz="3600" dirty="0" smtClean="0"/>
+              <a:t>2-717</a:t>
+            </a:r>
+            <a:r>
+              <a:rPr lang="en-US" sz="3600" dirty="0"/>
+              <a:t>: Deploying and Managing Services with Service </a:t>
+            </a:r>
+            <a:r>
+              <a:rPr lang="en-US" sz="3600" dirty="0" smtClean="0"/>
+              <a:t>Fabric</a:t>
+            </a:r>
+          </a:p>
+          <a:p>
+            <a:pPr lvl="1"/>
+            <a:r>
+              <a:rPr lang="en-US" sz="2000" dirty="0"/>
+              <a:t>Chacko </a:t>
+            </a:r>
+            <a:r>
+              <a:rPr lang="en-US" sz="2000" dirty="0" smtClean="0"/>
+              <a:t>Daniel - Principal </a:t>
+            </a:r>
+            <a:r>
+              <a:rPr lang="en-US" sz="2000" dirty="0"/>
+              <a:t>Program Manager</a:t>
+            </a:r>
+          </a:p>
+          <a:p>
+            <a:r>
+              <a:rPr lang="en-US" sz="3600" dirty="0" smtClean="0"/>
+              <a:t>2-66: </a:t>
+            </a:r>
+            <a:r>
+              <a:rPr lang="en-US" sz="3600" dirty="0"/>
+              <a:t>Deep Dive into Microsoft Azure Service Fabric Reliable Actors</a:t>
+            </a:r>
+          </a:p>
+          <a:p>
+            <a:pPr lvl="1"/>
+            <a:r>
+              <a:rPr lang="en-US" sz="2000" dirty="0"/>
+              <a:t>Claudio </a:t>
+            </a:r>
+            <a:r>
+              <a:rPr lang="en-US" sz="2000" dirty="0" err="1" smtClean="0"/>
+              <a:t>Caldato</a:t>
+            </a:r>
+            <a:r>
+              <a:rPr lang="en-US" sz="2000" dirty="0" smtClean="0"/>
+              <a:t> - </a:t>
+            </a:r>
+            <a:r>
+              <a:rPr lang="en-US" sz="2000" dirty="0"/>
+              <a:t>Principal Program </a:t>
+            </a:r>
+            <a:r>
+              <a:rPr lang="en-US" sz="2000" dirty="0" smtClean="0"/>
+              <a:t>Manager</a:t>
+            </a:r>
+            <a:endParaRPr lang="en-US" sz="2000" dirty="0"/>
+          </a:p>
+        </p:txBody>
+      </p:sp>
+      <p:sp>
+        <p:nvSpPr>
+          <p:cNvPr id="3" name="Title 2"/>
+          <p:cNvSpPr>
+            <a:spLocks noGrp="1"/>
+          </p:cNvSpPr>
+          <p:nvPr>
+            <p:ph type="title"/>
+          </p:nvPr>
+        </p:nvSpPr>
+        <p:spPr/>
+        <p:txBody>
+          <a:bodyPr/>
+          <a:lstStyle/>
+          <a:p>
+            <a:r>
+              <a:rPr lang="en-US" dirty="0" smtClean="0"/>
+              <a:t>Service Fabric at //build</a:t>
+            </a:r>
+            <a:endParaRPr lang="en-US" dirty="0"/>
+          </a:p>
+        </p:txBody>
+      </p:sp>
+    </p:spTree>
+    <p:extLst>
+      <p:ext uri="{BB962C8B-B14F-4D97-AF65-F5344CB8AC3E}">
+        <p14:creationId xmlns:p14="http://schemas.microsoft.com/office/powerpoint/2010/main" val="2853720413"/>
+      </p:ext>
+    </p:extLst>
+  </p:cSld>
+  <p:clrMapOvr>
+    <a:masterClrMapping/>
+  </p:clrMapOvr>
+  <p:transition>
+    <p:fade/>
+  </p:transition>
+</p:sld>
+</file>
+
+<file path=ppt/slides/slide6.xml><?xml version="1.0" encoding="utf-8"?>
+<p:sld xmlns:a="http://schemas.openxmlformats.org/drawingml/2006/main" xmlns:r="http://schemas.openxmlformats.org/officeDocument/2006/relationships" xmlns:p="http://schemas.openxmlformats.org/presentationml/2006/main">
+  <p:cSld>
+    <p:spTree>
+      <p:nvGrpSpPr>
+        <p:cNvPr id="1" name=""/>
+        <p:cNvGrpSpPr/>
+        <p:nvPr/>
+      </p:nvGrpSpPr>
+      <p:grpSpPr>
+        <a:xfrm>
+          <a:off x="0" y="0"/>
+          <a:ext cx="0" cy="0"/>
+          <a:chOff x="0" y="0"/>
+          <a:chExt cx="0" cy="0"/>
+        </a:xfrm>
+      </p:grpSpPr>
+      <p:sp>
+        <p:nvSpPr>
+          <p:cNvPr id="3" name="Text Placeholder 4"/>
+          <p:cNvSpPr txBox="1">
+            <a:spLocks/>
+          </p:cNvSpPr>
+          <p:nvPr/>
+        </p:nvSpPr>
+        <p:spPr>
+          <a:xfrm>
+            <a:off x="274638" y="1212850"/>
+            <a:ext cx="11887200" cy="2523768"/>
+          </a:xfrm>
+          <a:prstGeom prst="rect">
+            <a:avLst/>
+          </a:prstGeom>
+        </p:spPr>
+        <p:txBody>
+          <a:bodyPr/>
+          <a:lstStyle>
+            <a:lvl1pPr marL="342900" marR="0" indent="-342900" algn="l" defTabSz="932742" rtl="0" eaLnBrk="1" fontAlgn="auto" latinLnBrk="0" hangingPunct="1">
+              <a:lnSpc>
+                <a:spcPct val="90000"/>
+              </a:lnSpc>
+              <a:spcBef>
+                <a:spcPct val="20000"/>
+              </a:spcBef>
+              <a:spcAft>
+                <a:spcPts val="0"/>
+              </a:spcAft>
+              <a:buClrTx/>
+              <a:buSzPct val="90000"/>
+              <a:buFont typeface="Arial" pitchFamily="34" charset="0"/>
+              <a:buChar char="•"/>
+              <a:tabLst/>
+              <a:defRPr sz="4000" kern="1200" spc="0" baseline="0">
+                <a:gradFill>
+                  <a:gsLst>
+                    <a:gs pos="1250">
+                      <a:schemeClr val="tx1"/>
+                    </a:gs>
+                    <a:gs pos="100000">
+                      <a:schemeClr val="tx1"/>
+                    </a:gs>
+                  </a:gsLst>
+                  <a:lin ang="5400000" scaled="0"/>
+                </a:gradFill>
+                <a:latin typeface="+mj-lt"/>
+                <a:ea typeface="+mn-ea"/>
+                <a:cs typeface="+mn-cs"/>
+              </a:defRPr>
+            </a:lvl1pPr>
+            <a:lvl2pPr marL="584200" marR="0" indent="-241300" algn="l" defTabSz="932742" rtl="0" eaLnBrk="1" fontAlgn="auto" latinLnBrk="0" hangingPunct="1">
+              <a:lnSpc>
+                <a:spcPct val="90000"/>
+              </a:lnSpc>
+              <a:spcBef>
+                <a:spcPct val="20000"/>
+              </a:spcBef>
+              <a:spcAft>
+                <a:spcPts val="0"/>
+              </a:spcAft>
+              <a:buClrTx/>
+              <a:buSzPct val="90000"/>
+              <a:buFont typeface="Arial" pitchFamily="34" charset="0"/>
+              <a:buChar char="•"/>
+              <a:tabLst/>
+              <a:defRPr sz="2400" kern="1200" spc="0" baseline="0">
+                <a:gradFill>
+                  <a:gsLst>
+                    <a:gs pos="1250">
+                      <a:schemeClr val="tx1"/>
+                    </a:gs>
+                    <a:gs pos="100000">
+                      <a:schemeClr val="tx1"/>
+                    </a:gs>
+                  </a:gsLst>
+                  <a:lin ang="5400000" scaled="0"/>
+                </a:gradFill>
+                <a:latin typeface="+mn-lt"/>
+                <a:ea typeface="+mn-ea"/>
+                <a:cs typeface="+mn-cs"/>
+              </a:defRPr>
+            </a:lvl2pPr>
+            <a:lvl3pPr marL="800100" marR="0" indent="-228600" algn="l" defTabSz="932742" rtl="0" eaLnBrk="1" fontAlgn="auto" latinLnBrk="0" hangingPunct="1">
+              <a:lnSpc>
+                <a:spcPct val="90000"/>
+              </a:lnSpc>
+              <a:spcBef>
+                <a:spcPct val="20000"/>
+              </a:spcBef>
+              <a:spcAft>
+                <a:spcPts val="0"/>
+              </a:spcAft>
+              <a:buClrTx/>
+              <a:buSzPct val="90000"/>
+              <a:buFont typeface="Arial" pitchFamily="34" charset="0"/>
+              <a:buChar char="•"/>
+              <a:tabLst/>
+              <a:defRPr sz="2000" kern="1200" spc="0" baseline="0">
+                <a:gradFill>
+                  <a:gsLst>
+                    <a:gs pos="1250">
+                      <a:schemeClr val="tx1"/>
+                    </a:gs>
+                    <a:gs pos="100000">
+                      <a:schemeClr val="tx1"/>
+                    </a:gs>
+                  </a:gsLst>
+                  <a:lin ang="5400000" scaled="0"/>
+                </a:gradFill>
+                <a:latin typeface="+mn-lt"/>
+                <a:ea typeface="+mn-ea"/>
+                <a:cs typeface="+mn-cs"/>
+              </a:defRPr>
+            </a:lvl3pPr>
+            <a:lvl4pPr marL="1028700" marR="0" indent="-228600" algn="l" defTabSz="932742" rtl="0" eaLnBrk="1" fontAlgn="auto" latinLnBrk="0" hangingPunct="1">
+              <a:lnSpc>
+                <a:spcPct val="90000"/>
+              </a:lnSpc>
+              <a:spcBef>
+                <a:spcPct val="20000"/>
+              </a:spcBef>
+              <a:spcAft>
+                <a:spcPts val="0"/>
+              </a:spcAft>
+              <a:buClrTx/>
+              <a:buSzPct val="90000"/>
+              <a:buFont typeface="Arial" pitchFamily="34" charset="0"/>
+              <a:buChar char="•"/>
+              <a:tabLst/>
+              <a:defRPr sz="1800" kern="1200" spc="0" baseline="0">
+                <a:gradFill>
+                  <a:gsLst>
+                    <a:gs pos="1250">
+                      <a:schemeClr val="tx1"/>
+                    </a:gs>
+                    <a:gs pos="100000">
+                      <a:schemeClr val="tx1"/>
+                    </a:gs>
+                  </a:gsLst>
+                  <a:lin ang="5400000" scaled="0"/>
+                </a:gradFill>
+                <a:latin typeface="+mn-lt"/>
+                <a:ea typeface="+mn-ea"/>
+                <a:cs typeface="+mn-cs"/>
+              </a:defRPr>
+            </a:lvl4pPr>
+            <a:lvl5pPr marL="1257300" marR="0" indent="-228600" algn="l" defTabSz="932742" rtl="0" eaLnBrk="1" fontAlgn="auto" latinLnBrk="0" hangingPunct="1">
+              <a:lnSpc>
+                <a:spcPct val="90000"/>
+              </a:lnSpc>
+              <a:spcBef>
+                <a:spcPct val="20000"/>
+              </a:spcBef>
+              <a:spcAft>
+                <a:spcPts val="0"/>
+              </a:spcAft>
+              <a:buClrTx/>
+              <a:buSzPct val="90000"/>
+              <a:buFont typeface="Arial" pitchFamily="34" charset="0"/>
+              <a:buChar char="•"/>
+              <a:tabLst/>
+              <a:defRPr sz="1800" kern="1200" spc="0" baseline="0">
+                <a:gradFill>
+                  <a:gsLst>
+                    <a:gs pos="1250">
+                      <a:schemeClr val="tx1"/>
+                    </a:gs>
+                    <a:gs pos="100000">
+                      <a:schemeClr val="tx1"/>
+                    </a:gs>
+                  </a:gsLst>
+                  <a:lin ang="5400000" scaled="0"/>
+                </a:gradFill>
+                <a:latin typeface="+mn-lt"/>
+                <a:ea typeface="+mn-ea"/>
+                <a:cs typeface="+mn-cs"/>
+              </a:defRPr>
+            </a:lvl5pPr>
+            <a:lvl6pPr marL="2565040" indent="-233186" algn="l" defTabSz="932742" rtl="0" eaLnBrk="1" latinLnBrk="0" hangingPunct="1">
+              <a:spcBef>
+                <a:spcPct val="20000"/>
+              </a:spcBef>
+              <a:buFont typeface="Arial" pitchFamily="34" charset="0"/>
+              <a:buChar char="•"/>
+              <a:defRPr sz="2000" kern="1200">
+                <a:solidFill>
+                  <a:schemeClr val="tx1"/>
+                </a:solidFill>
+                <a:latin typeface="+mn-lt"/>
+                <a:ea typeface="+mn-ea"/>
+                <a:cs typeface="+mn-cs"/>
+              </a:defRPr>
+            </a:lvl6pPr>
+            <a:lvl7pPr marL="3031412" indent="-233186" algn="l" defTabSz="932742" rtl="0" eaLnBrk="1" latinLnBrk="0" hangingPunct="1">
+              <a:spcBef>
+                <a:spcPct val="20000"/>
+              </a:spcBef>
+              <a:buFont typeface="Arial" pitchFamily="34" charset="0"/>
+              <a:buChar char="•"/>
+              <a:defRPr sz="2000" kern="1200">
+                <a:solidFill>
+                  <a:schemeClr val="tx1"/>
+                </a:solidFill>
+                <a:latin typeface="+mn-lt"/>
+                <a:ea typeface="+mn-ea"/>
+                <a:cs typeface="+mn-cs"/>
+              </a:defRPr>
+            </a:lvl7pPr>
+            <a:lvl8pPr marL="3497783" indent="-233186" algn="l" defTabSz="932742" rtl="0" eaLnBrk="1" latinLnBrk="0" hangingPunct="1">
+              <a:spcBef>
+                <a:spcPct val="20000"/>
+              </a:spcBef>
+              <a:buFont typeface="Arial" pitchFamily="34" charset="0"/>
+              <a:buChar char="•"/>
+              <a:defRPr sz="2000" kern="1200">
+                <a:solidFill>
+                  <a:schemeClr val="tx1"/>
+                </a:solidFill>
+                <a:latin typeface="+mn-lt"/>
+                <a:ea typeface="+mn-ea"/>
+                <a:cs typeface="+mn-cs"/>
+              </a:defRPr>
+            </a:lvl8pPr>
+            <a:lvl9pPr marL="3964155" indent="-233186" algn="l" defTabSz="932742" rtl="0" eaLnBrk="1" latinLnBrk="0" hangingPunct="1">
+              <a:spcBef>
+                <a:spcPct val="20000"/>
+              </a:spcBef>
+              <a:buFont typeface="Arial" pitchFamily="34" charset="0"/>
+              <a:buChar char="•"/>
+              <a:defRPr sz="2000" kern="1200">
+                <a:solidFill>
+                  <a:schemeClr val="tx1"/>
+                </a:solidFill>
+                <a:latin typeface="+mn-lt"/>
+                <a:ea typeface="+mn-ea"/>
+                <a:cs typeface="+mn-cs"/>
+              </a:defRPr>
+            </a:lvl9pPr>
+          </a:lstStyle>
+          <a:p>
+            <a:r>
+              <a:rPr lang="en-US" sz="4400" dirty="0" smtClean="0">
+                <a:gradFill>
+                  <a:gsLst>
+                    <a:gs pos="1250">
+                      <a:srgbClr val="FFFFFF"/>
+                    </a:gs>
+                    <a:gs pos="100000">
+                      <a:srgbClr val="FFFFFF"/>
+                    </a:gs>
+                  </a:gsLst>
+                  <a:lin ang="5400000" scaled="0"/>
+                </a:gradFill>
+              </a:rPr>
+              <a:t>Download the Service Fabric developer SDK</a:t>
+            </a:r>
+          </a:p>
+          <a:p>
+            <a:pPr lvl="1"/>
+            <a:r>
+              <a:rPr lang="en-US" sz="2800" dirty="0" smtClean="0">
+                <a:gradFill>
+                  <a:gsLst>
+                    <a:gs pos="1250">
+                      <a:srgbClr val="FFFFFF"/>
+                    </a:gs>
+                    <a:gs pos="100000">
+                      <a:srgbClr val="FFFFFF"/>
+                    </a:gs>
+                  </a:gsLst>
+                  <a:lin ang="5400000" scaled="0"/>
+                </a:gradFill>
+                <a:hlinkClick r:id="rId2"/>
+              </a:rPr>
+              <a:t>http://aka.ms/ServiceFabric</a:t>
+            </a:r>
+            <a:endParaRPr lang="en-US" sz="2800" dirty="0" smtClean="0">
+              <a:gradFill>
+                <a:gsLst>
+                  <a:gs pos="1250">
+                    <a:srgbClr val="FFFFFF"/>
+                  </a:gs>
+                  <a:gs pos="100000">
+                    <a:srgbClr val="FFFFFF"/>
+                  </a:gs>
+                </a:gsLst>
+                <a:lin ang="5400000" scaled="0"/>
+              </a:gradFill>
+            </a:endParaRPr>
+          </a:p>
+          <a:p>
+            <a:r>
+              <a:rPr lang="en-US" sz="4400" dirty="0" smtClean="0">
+                <a:gradFill>
+                  <a:gsLst>
+                    <a:gs pos="1250">
+                      <a:srgbClr val="FFFFFF"/>
+                    </a:gs>
+                    <a:gs pos="100000">
+                      <a:srgbClr val="FFFFFF"/>
+                    </a:gs>
+                  </a:gsLst>
+                  <a:lin ang="5400000" scaled="0"/>
+                </a:gradFill>
+              </a:rPr>
+              <a:t>Learn from the tutorials and videos</a:t>
+            </a:r>
+          </a:p>
+          <a:p>
+            <a:pPr marL="558800" lvl="2" indent="-342900"/>
+            <a:r>
+              <a:rPr lang="en-US" sz="2800" dirty="0">
+                <a:gradFill>
+                  <a:gsLst>
+                    <a:gs pos="1250">
+                      <a:srgbClr val="FFFFFF"/>
+                    </a:gs>
+                    <a:gs pos="100000">
+                      <a:srgbClr val="FFFFFF"/>
+                    </a:gs>
+                  </a:gsLst>
+                  <a:lin ang="5400000" scaled="0"/>
+                </a:gradFill>
+                <a:hlinkClick r:id="rId3"/>
+              </a:rPr>
+              <a:t>http://</a:t>
+            </a:r>
+            <a:r>
+              <a:rPr lang="en-US" sz="2800" dirty="0" smtClean="0">
+                <a:gradFill>
+                  <a:gsLst>
+                    <a:gs pos="1250">
+                      <a:srgbClr val="FFFFFF"/>
+                    </a:gs>
+                    <a:gs pos="100000">
+                      <a:srgbClr val="FFFFFF"/>
+                    </a:gs>
+                  </a:gsLst>
+                  <a:lin ang="5400000" scaled="0"/>
+                </a:gradFill>
+                <a:hlinkClick r:id="rId3"/>
+              </a:rPr>
+              <a:t>aka.ms/ServiceFabricdocs</a:t>
+            </a:r>
+            <a:endParaRPr lang="en-US" sz="3200" dirty="0" smtClean="0">
+              <a:gradFill>
+                <a:gsLst>
+                  <a:gs pos="1250">
+                    <a:srgbClr val="FFFFFF"/>
+                  </a:gs>
+                  <a:gs pos="100000">
+                    <a:srgbClr val="FFFFFF"/>
+                  </a:gs>
+                </a:gsLst>
+                <a:lin ang="5400000" scaled="0"/>
+              </a:gradFill>
+            </a:endParaRPr>
+          </a:p>
+          <a:p>
+            <a:r>
+              <a:rPr lang="en-US" sz="4400" dirty="0" smtClean="0">
+                <a:gradFill>
+                  <a:gsLst>
+                    <a:gs pos="1250">
+                      <a:srgbClr val="FFFFFF"/>
+                    </a:gs>
+                    <a:gs pos="100000">
+                      <a:srgbClr val="FFFFFF"/>
+                    </a:gs>
+                  </a:gsLst>
+                  <a:lin ang="5400000" scaled="0"/>
+                </a:gradFill>
+              </a:rPr>
+              <a:t>Provide </a:t>
+            </a:r>
+            <a:r>
+              <a:rPr lang="en-US" sz="4400" dirty="0" smtClean="0">
+                <a:gradFill>
+                  <a:gsLst>
+                    <a:gs pos="1250">
+                      <a:srgbClr val="FFFFFF"/>
+                    </a:gs>
+                    <a:gs pos="100000">
+                      <a:srgbClr val="FFFFFF"/>
+                    </a:gs>
+                  </a:gsLst>
+                  <a:lin ang="5400000" scaled="0"/>
+                </a:gradFill>
+              </a:rPr>
+              <a:t>feedback</a:t>
+            </a:r>
+          </a:p>
+          <a:p>
+            <a:pPr marL="558800" lvl="2" indent="-342900"/>
+            <a:r>
+              <a:rPr lang="en-US" sz="2800" dirty="0" smtClean="0">
+                <a:gradFill>
+                  <a:gsLst>
+                    <a:gs pos="1250">
+                      <a:srgbClr val="FFFFFF"/>
+                    </a:gs>
+                    <a:gs pos="100000">
+                      <a:srgbClr val="FFFFFF"/>
+                    </a:gs>
+                  </a:gsLst>
+                  <a:lin ang="5400000" scaled="0"/>
+                </a:gradFill>
+                <a:hlinkClick r:id="rId4"/>
+              </a:rPr>
+              <a:t>http</a:t>
+            </a:r>
+            <a:r>
+              <a:rPr lang="en-US" sz="2800" dirty="0">
+                <a:gradFill>
+                  <a:gsLst>
+                    <a:gs pos="1250">
+                      <a:srgbClr val="FFFFFF"/>
+                    </a:gs>
+                    <a:gs pos="100000">
+                      <a:srgbClr val="FFFFFF"/>
+                    </a:gs>
+                  </a:gsLst>
+                  <a:lin ang="5400000" scaled="0"/>
+                </a:gradFill>
+                <a:hlinkClick r:id="rId4"/>
+              </a:rPr>
+              <a:t>://</a:t>
+            </a:r>
+            <a:r>
+              <a:rPr lang="en-US" sz="2800" dirty="0" smtClean="0">
+                <a:gradFill>
+                  <a:gsLst>
+                    <a:gs pos="1250">
+                      <a:srgbClr val="FFFFFF"/>
+                    </a:gs>
+                    <a:gs pos="100000">
+                      <a:srgbClr val="FFFFFF"/>
+                    </a:gs>
+                  </a:gsLst>
+                  <a:lin ang="5400000" scaled="0"/>
+                </a:gradFill>
+                <a:hlinkClick r:id="rId4"/>
+              </a:rPr>
+              <a:t>aka.ms/ServiceFabricforum</a:t>
+            </a:r>
+            <a:endParaRPr lang="en-US" sz="2800" dirty="0" smtClean="0">
+              <a:gradFill>
+                <a:gsLst>
+                  <a:gs pos="1250">
+                    <a:srgbClr val="FFFFFF"/>
+                  </a:gs>
+                  <a:gs pos="100000">
+                    <a:srgbClr val="FFFFFF"/>
+                  </a:gs>
+                </a:gsLst>
+                <a:lin ang="5400000" scaled="0"/>
+              </a:gradFill>
+            </a:endParaRPr>
+          </a:p>
+          <a:p>
+            <a:pPr marL="558800" lvl="2" indent="-342900"/>
+            <a:r>
+              <a:rPr lang="en-US" sz="2800" dirty="0">
+                <a:gradFill>
+                  <a:gsLst>
+                    <a:gs pos="1250">
+                      <a:srgbClr val="FFFFFF"/>
+                    </a:gs>
+                    <a:gs pos="100000">
+                      <a:srgbClr val="FFFFFF"/>
+                    </a:gs>
+                  </a:gsLst>
+                  <a:lin ang="5400000" scaled="0"/>
+                </a:gradFill>
+                <a:hlinkClick r:id="rId5"/>
+              </a:rPr>
+              <a:t>http://</a:t>
+            </a:r>
+            <a:r>
+              <a:rPr lang="en-US" sz="2800" dirty="0" smtClean="0">
+                <a:gradFill>
+                  <a:gsLst>
+                    <a:gs pos="1250">
+                      <a:srgbClr val="FFFFFF"/>
+                    </a:gs>
+                    <a:gs pos="100000">
+                      <a:srgbClr val="FFFFFF"/>
+                    </a:gs>
+                  </a:gsLst>
+                  <a:lin ang="5400000" scaled="0"/>
+                </a:gradFill>
+                <a:hlinkClick r:id="rId5"/>
+              </a:rPr>
+              <a:t>stackoverflow.com/questions/tagged/azure-service-fabric</a:t>
+            </a:r>
+            <a:r>
+              <a:rPr lang="en-US" sz="2800" dirty="0" smtClean="0">
+                <a:gradFill>
+                  <a:gsLst>
+                    <a:gs pos="1250">
+                      <a:srgbClr val="FFFFFF"/>
+                    </a:gs>
+                    <a:gs pos="100000">
+                      <a:srgbClr val="FFFFFF"/>
+                    </a:gs>
+                  </a:gsLst>
+                  <a:lin ang="5400000" scaled="0"/>
+                </a:gradFill>
+              </a:rPr>
+              <a:t>  </a:t>
+            </a:r>
+          </a:p>
+        </p:txBody>
+      </p:sp>
+      <p:sp>
+        <p:nvSpPr>
+          <p:cNvPr id="4" name="Title 1"/>
+          <p:cNvSpPr>
+            <a:spLocks noGrp="1"/>
+          </p:cNvSpPr>
+          <p:nvPr>
+            <p:ph type="title"/>
+          </p:nvPr>
+        </p:nvSpPr>
+        <p:spPr>
+          <a:xfrm>
+            <a:off x="274639" y="295274"/>
+            <a:ext cx="11889564" cy="917575"/>
+          </a:xfrm>
+        </p:spPr>
+        <p:txBody>
+          <a:bodyPr/>
+          <a:lstStyle/>
+          <a:p>
+            <a:r>
+              <a:rPr lang="en-US" dirty="0" smtClean="0"/>
+              <a:t>Call to Action</a:t>
+            </a:r>
+            <a:endParaRPr lang="en-US" dirty="0"/>
+          </a:p>
+        </p:txBody>
+      </p:sp>
+    </p:spTree>
+    <p:extLst>
+      <p:ext uri="{BB962C8B-B14F-4D97-AF65-F5344CB8AC3E}">
+        <p14:creationId xmlns:p14="http://schemas.microsoft.com/office/powerpoint/2010/main" val="1047014563"/>
+      </p:ext>
+    </p:extLst>
+  </p:cSld>
+  <p:clrMapOvr>
+    <a:masterClrMapping/>
+  </p:clrMapOvr>
+  <p:transition advTm="3082">
+    <p:fade/>
+  </p:transition>
+  <p:timing>
+    <p:tnLst>
+      <p:par>
+        <p:cTn id="1" dur="indefinite" restart="never" nodeType="tmRoot"/>
+      </p:par>
+    </p:tnLst>
+  </p:timing>
+</p:sld>
+</file>
+
+<file path=ppt/slides/slide7.xml><?xml version="1.0" encoding="utf-8"?>
+<p:sld xmlns:a="http://schemas.openxmlformats.org/drawingml/2006/main" xmlns:r="http://schemas.openxmlformats.org/officeDocument/2006/relationships" xmlns:p="http://schemas.openxmlformats.org/presentationml/2006/main">
+  <p:cSld>
+    <p:spTree>
+      <p:nvGrpSpPr>
+        <p:cNvPr id="1" name=""/>
+        <p:cNvGrpSpPr/>
+        <p:nvPr/>
+      </p:nvGrpSpPr>
+      <p:grpSpPr>
+        <a:xfrm>
+          <a:off x="0" y="0"/>
+          <a:ext cx="0" cy="0"/>
+          <a:chOff x="0" y="0"/>
+          <a:chExt cx="0" cy="0"/>
+        </a:xfrm>
+      </p:grpSpPr>
+      <p:sp>
+        <p:nvSpPr>
+          <p:cNvPr id="2" name="Text Placeholder 1"/>
+          <p:cNvSpPr>
+            <a:spLocks noGrp="1"/>
+          </p:cNvSpPr>
+          <p:nvPr>
+            <p:ph type="body" sz="quarter" idx="10"/>
+          </p:nvPr>
+        </p:nvSpPr>
+        <p:spPr>
+          <a:xfrm>
+            <a:off x="274638" y="1212850"/>
             <a:ext cx="11887200" cy="3717941"/>
           </a:xfrm>
         </p:spPr>
@@ -14367,7 +15239,7 @@
 </p:sld>
 </file>
 
-<file path=ppt/slides/slide6.xml><?xml version="1.0" encoding="utf-8"?>
+<file path=ppt/slides/slide8.xml><?xml version="1.0" encoding="utf-8"?>
 <p:sld xmlns:a="http://schemas.openxmlformats.org/drawingml/2006/main" xmlns:r="http://schemas.openxmlformats.org/officeDocument/2006/relationships" xmlns:p="http://schemas.openxmlformats.org/presentationml/2006/main">
   <p:cSld>
     <p:spTree>
